--- a/day1/Introduction.pptx
+++ b/day1/Introduction.pptx
@@ -204,7 +204,7 @@
           <a:p>
             <a:fld id="{2BB4664A-E94C-1E48-87DE-6B2D861CC4E3}" type="datetimeFigureOut">
               <a:rPr lang="en-US" smtClean="0"/>
-              <a:t>12/18/17</a:t>
+              <a:t>3/19/18</a:t>
             </a:fld>
             <a:endParaRPr lang="en-US"/>
           </a:p>
@@ -600,7 +600,7 @@
           <a:p>
             <a:fld id="{E70F27B2-3269-4E45-84E0-3A554EA5F6EB}" type="datetimeFigureOut">
               <a:rPr lang="en-US" smtClean="0"/>
-              <a:t>12/18/17</a:t>
+              <a:t>3/19/18</a:t>
             </a:fld>
             <a:endParaRPr lang="en-US"/>
           </a:p>
@@ -768,7 +768,7 @@
           <a:p>
             <a:fld id="{E70F27B2-3269-4E45-84E0-3A554EA5F6EB}" type="datetimeFigureOut">
               <a:rPr lang="en-US" smtClean="0"/>
-              <a:t>12/18/17</a:t>
+              <a:t>3/19/18</a:t>
             </a:fld>
             <a:endParaRPr lang="en-US"/>
           </a:p>
@@ -946,7 +946,7 @@
           <a:p>
             <a:fld id="{E70F27B2-3269-4E45-84E0-3A554EA5F6EB}" type="datetimeFigureOut">
               <a:rPr lang="en-US" smtClean="0"/>
-              <a:t>12/18/17</a:t>
+              <a:t>3/19/18</a:t>
             </a:fld>
             <a:endParaRPr lang="en-US"/>
           </a:p>
@@ -1114,7 +1114,7 @@
           <a:p>
             <a:fld id="{E70F27B2-3269-4E45-84E0-3A554EA5F6EB}" type="datetimeFigureOut">
               <a:rPr lang="en-US" smtClean="0"/>
-              <a:t>12/18/17</a:t>
+              <a:t>3/19/18</a:t>
             </a:fld>
             <a:endParaRPr lang="en-US"/>
           </a:p>
@@ -1359,7 +1359,7 @@
           <a:p>
             <a:fld id="{E70F27B2-3269-4E45-84E0-3A554EA5F6EB}" type="datetimeFigureOut">
               <a:rPr lang="en-US" smtClean="0"/>
-              <a:t>12/18/17</a:t>
+              <a:t>3/19/18</a:t>
             </a:fld>
             <a:endParaRPr lang="en-US"/>
           </a:p>
@@ -1588,7 +1588,7 @@
           <a:p>
             <a:fld id="{E70F27B2-3269-4E45-84E0-3A554EA5F6EB}" type="datetimeFigureOut">
               <a:rPr lang="en-US" smtClean="0"/>
-              <a:t>12/18/17</a:t>
+              <a:t>3/19/18</a:t>
             </a:fld>
             <a:endParaRPr lang="en-US"/>
           </a:p>
@@ -1952,7 +1952,7 @@
           <a:p>
             <a:fld id="{E70F27B2-3269-4E45-84E0-3A554EA5F6EB}" type="datetimeFigureOut">
               <a:rPr lang="en-US" smtClean="0"/>
-              <a:t>12/18/17</a:t>
+              <a:t>3/19/18</a:t>
             </a:fld>
             <a:endParaRPr lang="en-US"/>
           </a:p>
@@ -2069,7 +2069,7 @@
           <a:p>
             <a:fld id="{E70F27B2-3269-4E45-84E0-3A554EA5F6EB}" type="datetimeFigureOut">
               <a:rPr lang="en-US" smtClean="0"/>
-              <a:t>12/18/17</a:t>
+              <a:t>3/19/18</a:t>
             </a:fld>
             <a:endParaRPr lang="en-US"/>
           </a:p>
@@ -2164,7 +2164,7 @@
           <a:p>
             <a:fld id="{E70F27B2-3269-4E45-84E0-3A554EA5F6EB}" type="datetimeFigureOut">
               <a:rPr lang="en-US" smtClean="0"/>
-              <a:t>12/18/17</a:t>
+              <a:t>3/19/18</a:t>
             </a:fld>
             <a:endParaRPr lang="en-US"/>
           </a:p>
@@ -2439,7 +2439,7 @@
           <a:p>
             <a:fld id="{E70F27B2-3269-4E45-84E0-3A554EA5F6EB}" type="datetimeFigureOut">
               <a:rPr lang="en-US" smtClean="0"/>
-              <a:t>12/18/17</a:t>
+              <a:t>3/19/18</a:t>
             </a:fld>
             <a:endParaRPr lang="en-US"/>
           </a:p>
@@ -2694,7 +2694,7 @@
           <a:p>
             <a:fld id="{E70F27B2-3269-4E45-84E0-3A554EA5F6EB}" type="datetimeFigureOut">
               <a:rPr lang="en-US" smtClean="0"/>
-              <a:t>12/18/17</a:t>
+              <a:t>3/19/18</a:t>
             </a:fld>
             <a:endParaRPr lang="en-US"/>
           </a:p>
@@ -2906,7 +2906,7 @@
           <a:p>
             <a:fld id="{E70F27B2-3269-4E45-84E0-3A554EA5F6EB}" type="datetimeFigureOut">
               <a:rPr lang="en-US" smtClean="0"/>
-              <a:t>12/18/17</a:t>
+              <a:t>3/19/18</a:t>
             </a:fld>
             <a:endParaRPr lang="en-US"/>
           </a:p>
@@ -6266,13 +6266,8 @@
           <a:p>
             <a:r>
               <a:rPr lang="en-US" dirty="0"/>
-              <a:t>End to End understanding of single cell RNA </a:t>
-            </a:r>
-            <a:r>
-              <a:rPr lang="en-US" dirty="0" err="1"/>
-              <a:t>sequending</a:t>
-            </a:r>
-            <a:endParaRPr lang="en-US" dirty="0"/>
+              <a:t>End to End understanding of single cell RNA sequencing</a:t>
+            </a:r>
           </a:p>
           <a:p>
             <a:r>
@@ -6409,40 +6404,18 @@
             </a:r>
             <a:r>
               <a:rPr lang="en-US" sz="2800" dirty="0"/>
-              <a:t>, you should be on already</a:t>
-            </a:r>
-          </a:p>
-          <a:p>
-            <a:pPr lvl="2"/>
-            <a:r>
-              <a:rPr lang="en-US" sz="2400" dirty="0">
-                <a:hlinkClick r:id="rId2"/>
-              </a:rPr>
-              <a:t>http://itcatalog.ucdavis.edu/service/eduroam</a:t>
-            </a:r>
-            <a:r>
-              <a:rPr lang="en-US" sz="2400" dirty="0"/>
-              <a:t>	</a:t>
+              <a:t>, you should be on already </a:t>
+            </a:r>
+            <a:r>
+              <a:rPr lang="en-US" sz="2800" b="1" dirty="0"/>
+              <a:t>hopefully</a:t>
             </a:r>
           </a:p>
           <a:p>
             <a:pPr lvl="1"/>
             <a:r>
               <a:rPr lang="en-US" sz="2800" dirty="0"/>
-              <a:t>UCD Guest Wireless</a:t>
-            </a:r>
-          </a:p>
-          <a:p>
-            <a:pPr lvl="2"/>
-            <a:r>
-              <a:rPr lang="en-US" sz="2400" dirty="0">
-                <a:hlinkClick r:id="rId3"/>
-              </a:rPr>
-              <a:t>http://itcatalog.ucdavis.edu/service/wireless-guest-access</a:t>
-            </a:r>
-            <a:r>
-              <a:rPr lang="en-US" sz="2400" dirty="0"/>
-              <a:t>	</a:t>
+              <a:t>Guest Wireless</a:t>
             </a:r>
             <a:endParaRPr lang="en-US" sz="3200" dirty="0"/>
           </a:p>
@@ -6463,14 +6436,14 @@
             <a:pPr lvl="1"/>
             <a:r>
               <a:rPr lang="en-US" dirty="0"/>
-              <a:t>Tuesday – Illumina</a:t>
+              <a:t>Tuesday – 10X Genomics</a:t>
             </a:r>
           </a:p>
           <a:p>
             <a:pPr lvl="1"/>
             <a:r>
               <a:rPr lang="en-US" dirty="0"/>
-              <a:t>Wednesday - 10X Genomics</a:t>
+              <a:t>Wednesday - Illumina</a:t>
             </a:r>
           </a:p>
         </p:txBody>
@@ -6576,7 +6549,7 @@
           <a:p>
             <a:r>
               <a:rPr lang="en-US" dirty="0"/>
-              <a:t>Course will be conducted on our server and cluster</a:t>
+              <a:t>Course will be conducted on the UCD Bioinformatics Core’s server and cluster</a:t>
             </a:r>
           </a:p>
           <a:p>
@@ -6740,7 +6713,7 @@
             </a:pPr>
             <a:r>
               <a:rPr lang="en-US" sz="1600" dirty="0"/>
-              <a:t>Continued Introductory material (command line)</a:t>
+              <a:t>Continued Introductory material (command line/cluster)</a:t>
             </a:r>
           </a:p>
           <a:p>
@@ -6776,24 +6749,16 @@
             </a:pPr>
             <a:r>
               <a:rPr lang="en-US" sz="1600" dirty="0"/>
-              <a:t>Dataset Description (Carrie </a:t>
-            </a:r>
-            <a:r>
-              <a:rPr lang="en-US" sz="1600" dirty="0" err="1"/>
-              <a:t>Finno</a:t>
-            </a:r>
+              <a:t>Dataset Description</a:t>
+            </a:r>
+          </a:p>
+          <a:p>
+            <a:pPr marL="0" indent="0">
+              <a:buNone/>
+            </a:pPr>
             <a:r>
               <a:rPr lang="en-US" sz="1600" dirty="0"/>
-              <a:t>, UCD)</a:t>
-            </a:r>
-          </a:p>
-          <a:p>
-            <a:pPr marL="0" indent="0">
-              <a:buNone/>
-            </a:pPr>
-            <a:r>
-              <a:rPr lang="en-US" sz="1600" dirty="0"/>
-              <a:t>Lunch and Technology talk by Illumina</a:t>
+              <a:t>Lunch and Technology talk by 10X Genomics</a:t>
             </a:r>
           </a:p>
           <a:p>
@@ -7040,25 +7005,16 @@
             </a:pPr>
             <a:r>
               <a:rPr lang="en-US" sz="1600" dirty="0"/>
-              <a:t>Lunch and Technology talk by 10X Genomics</a:t>
+              <a:t>Lunch and Technology talk by Illumina</a:t>
             </a:r>
           </a:p>
           <a:p>
             <a:pPr marL="0" indent="0">
-              <a:buFont typeface="Arial"/>
               <a:buNone/>
             </a:pPr>
             <a:r>
               <a:rPr lang="en-US" sz="1600" dirty="0"/>
-              <a:t>Analysis with 10X </a:t>
-            </a:r>
-            <a:r>
-              <a:rPr lang="en-US" sz="1600"/>
-              <a:t>Genomics software  </a:t>
-            </a:r>
-            <a:r>
-              <a:rPr lang="en-US" sz="1600" dirty="0"/>
-              <a:t>(by 10X Genomics) </a:t>
+              <a:t>Continued analysis with Seurat</a:t>
             </a:r>
           </a:p>
           <a:p>

--- a/day1/Introduction.pptx
+++ b/day1/Introduction.pptx
@@ -6533,10 +6533,16 @@
               <a:rPr lang="en-US" dirty="0">
                 <a:hlinkClick r:id="rId2"/>
               </a:rPr>
-              <a:t>https://ucdavis-bioinformatics-training.github.io/2017-September-Microbial-Community-Analysis-Workshop/</a:t>
-            </a:r>
-            <a:r>
-              <a:rPr lang="en-US" dirty="0"/>
+              <a:t>https://ucdavis-bioinformatics-training.github.io</a:t>
+            </a:r>
+            <a:r>
+              <a:rPr lang="en-US">
+                <a:hlinkClick r:id="rId2"/>
+              </a:rPr>
+              <a:t>/2017_2018-single-cell-RNA-sequencing-Workshop-UCD_UCB_UCSF/</a:t>
+            </a:r>
+            <a:r>
+              <a:rPr lang="en-US"/>
               <a:t>	</a:t>
             </a:r>
           </a:p>

--- a/day1/Introduction.pptx
+++ b/day1/Introduction.pptx
@@ -204,7 +204,7 @@
           <a:p>
             <a:fld id="{2BB4664A-E94C-1E48-87DE-6B2D861CC4E3}" type="datetimeFigureOut">
               <a:rPr lang="en-US" smtClean="0"/>
-              <a:t>3/19/18</a:t>
+              <a:t>3/25/18</a:t>
             </a:fld>
             <a:endParaRPr lang="en-US"/>
           </a:p>
@@ -600,7 +600,7 @@
           <a:p>
             <a:fld id="{E70F27B2-3269-4E45-84E0-3A554EA5F6EB}" type="datetimeFigureOut">
               <a:rPr lang="en-US" smtClean="0"/>
-              <a:t>3/19/18</a:t>
+              <a:t>3/25/18</a:t>
             </a:fld>
             <a:endParaRPr lang="en-US"/>
           </a:p>
@@ -768,7 +768,7 @@
           <a:p>
             <a:fld id="{E70F27B2-3269-4E45-84E0-3A554EA5F6EB}" type="datetimeFigureOut">
               <a:rPr lang="en-US" smtClean="0"/>
-              <a:t>3/19/18</a:t>
+              <a:t>3/25/18</a:t>
             </a:fld>
             <a:endParaRPr lang="en-US"/>
           </a:p>
@@ -946,7 +946,7 @@
           <a:p>
             <a:fld id="{E70F27B2-3269-4E45-84E0-3A554EA5F6EB}" type="datetimeFigureOut">
               <a:rPr lang="en-US" smtClean="0"/>
-              <a:t>3/19/18</a:t>
+              <a:t>3/25/18</a:t>
             </a:fld>
             <a:endParaRPr lang="en-US"/>
           </a:p>
@@ -1114,7 +1114,7 @@
           <a:p>
             <a:fld id="{E70F27B2-3269-4E45-84E0-3A554EA5F6EB}" type="datetimeFigureOut">
               <a:rPr lang="en-US" smtClean="0"/>
-              <a:t>3/19/18</a:t>
+              <a:t>3/25/18</a:t>
             </a:fld>
             <a:endParaRPr lang="en-US"/>
           </a:p>
@@ -1359,7 +1359,7 @@
           <a:p>
             <a:fld id="{E70F27B2-3269-4E45-84E0-3A554EA5F6EB}" type="datetimeFigureOut">
               <a:rPr lang="en-US" smtClean="0"/>
-              <a:t>3/19/18</a:t>
+              <a:t>3/25/18</a:t>
             </a:fld>
             <a:endParaRPr lang="en-US"/>
           </a:p>
@@ -1588,7 +1588,7 @@
           <a:p>
             <a:fld id="{E70F27B2-3269-4E45-84E0-3A554EA5F6EB}" type="datetimeFigureOut">
               <a:rPr lang="en-US" smtClean="0"/>
-              <a:t>3/19/18</a:t>
+              <a:t>3/25/18</a:t>
             </a:fld>
             <a:endParaRPr lang="en-US"/>
           </a:p>
@@ -1952,7 +1952,7 @@
           <a:p>
             <a:fld id="{E70F27B2-3269-4E45-84E0-3A554EA5F6EB}" type="datetimeFigureOut">
               <a:rPr lang="en-US" smtClean="0"/>
-              <a:t>3/19/18</a:t>
+              <a:t>3/25/18</a:t>
             </a:fld>
             <a:endParaRPr lang="en-US"/>
           </a:p>
@@ -2069,7 +2069,7 @@
           <a:p>
             <a:fld id="{E70F27B2-3269-4E45-84E0-3A554EA5F6EB}" type="datetimeFigureOut">
               <a:rPr lang="en-US" smtClean="0"/>
-              <a:t>3/19/18</a:t>
+              <a:t>3/25/18</a:t>
             </a:fld>
             <a:endParaRPr lang="en-US"/>
           </a:p>
@@ -2164,7 +2164,7 @@
           <a:p>
             <a:fld id="{E70F27B2-3269-4E45-84E0-3A554EA5F6EB}" type="datetimeFigureOut">
               <a:rPr lang="en-US" smtClean="0"/>
-              <a:t>3/19/18</a:t>
+              <a:t>3/25/18</a:t>
             </a:fld>
             <a:endParaRPr lang="en-US"/>
           </a:p>
@@ -2439,7 +2439,7 @@
           <a:p>
             <a:fld id="{E70F27B2-3269-4E45-84E0-3A554EA5F6EB}" type="datetimeFigureOut">
               <a:rPr lang="en-US" smtClean="0"/>
-              <a:t>3/19/18</a:t>
+              <a:t>3/25/18</a:t>
             </a:fld>
             <a:endParaRPr lang="en-US"/>
           </a:p>
@@ -2694,7 +2694,7 @@
           <a:p>
             <a:fld id="{E70F27B2-3269-4E45-84E0-3A554EA5F6EB}" type="datetimeFigureOut">
               <a:rPr lang="en-US" smtClean="0"/>
-              <a:t>3/19/18</a:t>
+              <a:t>3/25/18</a:t>
             </a:fld>
             <a:endParaRPr lang="en-US"/>
           </a:p>
@@ -2906,7 +2906,7 @@
           <a:p>
             <a:fld id="{E70F27B2-3269-4E45-84E0-3A554EA5F6EB}" type="datetimeFigureOut">
               <a:rPr lang="en-US" smtClean="0"/>
-              <a:t>3/19/18</a:t>
+              <a:t>3/25/18</a:t>
             </a:fld>
             <a:endParaRPr lang="en-US"/>
           </a:p>
